--- a/OOP/lectures/130--Network.Programming.pptx
+++ b/OOP/lectures/130--Network.Programming.pptx
@@ -5,14 +5,15 @@
     <p:sldMasterId id="2147483648" r:id="rId1"/>
   </p:sldMasterIdLst>
   <p:notesMasterIdLst>
-    <p:notesMasterId r:id="rId7"/>
+    <p:notesMasterId r:id="rId8"/>
   </p:notesMasterIdLst>
   <p:sldIdLst>
     <p:sldId id="267" r:id="rId2"/>
     <p:sldId id="274" r:id="rId3"/>
-    <p:sldId id="275" r:id="rId4"/>
-    <p:sldId id="272" r:id="rId5"/>
-    <p:sldId id="268" r:id="rId6"/>
+    <p:sldId id="276" r:id="rId4"/>
+    <p:sldId id="275" r:id="rId5"/>
+    <p:sldId id="272" r:id="rId6"/>
+    <p:sldId id="268" r:id="rId7"/>
   </p:sldIdLst>
   <p:sldSz cx="9144000" cy="6858000" type="screen4x3"/>
   <p:notesSz cx="6858000" cy="9144000"/>
@@ -1010,7 +1011,7 @@
               <a:pPr>
                 <a:defRPr/>
               </a:pPr>
-              <a:t>10/28/2017</a:t>
+              <a:t>11/5/2017</a:t>
             </a:fld>
             <a:endParaRPr lang="en-US" altLang="en-US"/>
           </a:p>
@@ -1244,7 +1245,7 @@
               <a:pPr>
                 <a:defRPr/>
               </a:pPr>
-              <a:t>10/28/2017</a:t>
+              <a:t>11/5/2017</a:t>
             </a:fld>
             <a:endParaRPr lang="en-US" altLang="en-US"/>
           </a:p>
@@ -2117,7 +2118,7 @@
               <a:pPr>
                 <a:defRPr/>
               </a:pPr>
-              <a:t>10/28/2017</a:t>
+              <a:t>11/5/2017</a:t>
             </a:fld>
             <a:endParaRPr lang="en-US" altLang="en-US"/>
           </a:p>
@@ -2266,7 +2267,7 @@
               <a:pPr>
                 <a:defRPr/>
               </a:pPr>
-              <a:t>10/28/2017</a:t>
+              <a:t>11/5/2017</a:t>
             </a:fld>
             <a:endParaRPr lang="en-US" altLang="en-US"/>
           </a:p>
@@ -2597,7 +2598,7 @@
               <a:pPr>
                 <a:defRPr/>
               </a:pPr>
-              <a:t>10/28/2017</a:t>
+              <a:t>11/5/2017</a:t>
             </a:fld>
             <a:endParaRPr lang="en-US" altLang="en-US"/>
           </a:p>
@@ -2905,7 +2906,7 @@
               <a:pPr>
                 <a:defRPr/>
               </a:pPr>
-              <a:t>10/28/2017</a:t>
+              <a:t>11/5/2017</a:t>
             </a:fld>
             <a:endParaRPr lang="en-US" altLang="en-US"/>
           </a:p>
@@ -3930,28 +3931,26 @@
           <a:p>
             <a:pPr eaLnBrk="1" hangingPunct="1"/>
             <a:r>
-              <a:rPr lang="en-US" altLang="en-US" smtClean="0"/>
-              <a:t>Essential Java Concepts</a:t>
-            </a:r>
-          </a:p>
-          <a:p>
-            <a:pPr lvl="1" eaLnBrk="1" hangingPunct="1"/>
-            <a:r>
-              <a:rPr lang="en-US" altLang="en-US" smtClean="0"/>
-              <a:t>Syntax, Grammar, Formatting, .</a:t>
-            </a:r>
+              <a:rPr lang="en-US" altLang="en-US" dirty="0" smtClean="0"/>
+              <a:t>Essential </a:t>
+            </a:r>
+            <a:r>
+              <a:rPr lang="en-US" altLang="en-US" dirty="0" smtClean="0"/>
+              <a:t>Networking with Java</a:t>
+            </a:r>
+            <a:endParaRPr lang="en-US" altLang="en-US" dirty="0" smtClean="0"/>
           </a:p>
           <a:p>
             <a:pPr eaLnBrk="1" hangingPunct="1"/>
             <a:r>
-              <a:rPr lang="en-US" altLang="en-US" smtClean="0"/>
+              <a:rPr lang="en-US" altLang="en-US" dirty="0" smtClean="0"/>
               <a:t>Today’s Practical</a:t>
             </a:r>
           </a:p>
           <a:p>
             <a:pPr eaLnBrk="1" hangingPunct="1"/>
             <a:r>
-              <a:rPr lang="en-US" altLang="en-US" smtClean="0"/>
+              <a:rPr lang="en-US" altLang="en-US" dirty="0" smtClean="0"/>
               <a:t>Review/Discussion</a:t>
             </a:r>
           </a:p>
@@ -3991,7 +3990,7 @@
       </p:grpSpPr>
       <p:sp>
         <p:nvSpPr>
-          <p:cNvPr id="11266" name="Title 1"/>
+          <p:cNvPr id="2" name="Title 1"/>
           <p:cNvSpPr>
             <a:spLocks noGrp="1"/>
           </p:cNvSpPr>
@@ -4004,16 +4003,13 @@
           <a:bodyPr/>
           <a:lstStyle/>
           <a:p>
-            <a:r>
-              <a:rPr lang="en-GB" altLang="en-US" smtClean="0"/>
-              <a:t>This Week</a:t>
-            </a:r>
-          </a:p>
-        </p:txBody>
-      </p:sp>
-      <p:sp>
-        <p:nvSpPr>
-          <p:cNvPr id="11267" name="Content Placeholder 2"/>
+            <a:endParaRPr lang="en-GB"/>
+          </a:p>
+        </p:txBody>
+      </p:sp>
+      <p:sp>
+        <p:nvSpPr>
+          <p:cNvPr id="3" name="Content Placeholder 2"/>
           <p:cNvSpPr>
             <a:spLocks noGrp="1"/>
           </p:cNvSpPr>
@@ -4026,26 +4022,16 @@
           <a:bodyPr/>
           <a:lstStyle/>
           <a:p>
-            <a:r>
-              <a:rPr lang="en-GB" altLang="en-US" smtClean="0"/>
-              <a:t>Read Chapters 3, 4, 5, 6</a:t>
-            </a:r>
-          </a:p>
-          <a:p>
-            <a:r>
-              <a:rPr lang="en-GB" altLang="en-US" smtClean="0"/>
-              <a:t>Review Slides</a:t>
-            </a:r>
-          </a:p>
-          <a:p>
-            <a:r>
-              <a:rPr lang="en-GB" altLang="en-US" smtClean="0"/>
-              <a:t>Java Exercises</a:t>
-            </a:r>
+            <a:endParaRPr lang="en-GB"/>
           </a:p>
         </p:txBody>
       </p:sp>
     </p:spTree>
+    <p:extLst>
+      <p:ext uri="{BB962C8B-B14F-4D97-AF65-F5344CB8AC3E}">
+        <p14:creationId xmlns:p14="http://schemas.microsoft.com/office/powerpoint/2010/main" val="1752164698"/>
+      </p:ext>
+    </p:extLst>
   </p:cSld>
   <p:clrMapOvr>
     <a:masterClrMapping/>
@@ -4072,7 +4058,7 @@
       </p:grpSpPr>
       <p:sp>
         <p:nvSpPr>
-          <p:cNvPr id="12290" name="Title 1"/>
+          <p:cNvPr id="11266" name="Title 1"/>
           <p:cNvSpPr>
             <a:spLocks noGrp="1"/>
           </p:cNvSpPr>
@@ -4087,14 +4073,14 @@
           <a:p>
             <a:r>
               <a:rPr lang="en-GB" altLang="en-US" smtClean="0"/>
-              <a:t>Summary</a:t>
-            </a:r>
-          </a:p>
-        </p:txBody>
-      </p:sp>
-      <p:sp>
-        <p:nvSpPr>
-          <p:cNvPr id="12291" name="Content Placeholder 2"/>
+              <a:t>This Week</a:t>
+            </a:r>
+          </a:p>
+        </p:txBody>
+      </p:sp>
+      <p:sp>
+        <p:nvSpPr>
+          <p:cNvPr id="11267" name="Content Placeholder 2"/>
           <p:cNvSpPr>
             <a:spLocks noGrp="1"/>
           </p:cNvSpPr>
@@ -4108,21 +4094,121 @@
           <a:lstStyle/>
           <a:p>
             <a:r>
+              <a:rPr lang="en-GB" altLang="en-US" dirty="0" smtClean="0"/>
+              <a:t>Read </a:t>
+            </a:r>
+            <a:r>
+              <a:rPr lang="en-GB" altLang="en-US" dirty="0" smtClean="0"/>
+              <a:t>Associated Chapters</a:t>
+            </a:r>
+            <a:endParaRPr lang="en-GB" altLang="en-US" dirty="0" smtClean="0"/>
+          </a:p>
+          <a:p>
+            <a:r>
+              <a:rPr lang="en-GB" altLang="en-US" dirty="0" smtClean="0"/>
+              <a:t>Review Slides</a:t>
+            </a:r>
+          </a:p>
+          <a:p>
+            <a:r>
+              <a:rPr lang="en-GB" altLang="en-US" dirty="0" smtClean="0"/>
+              <a:t>Java Exercises</a:t>
+            </a:r>
+          </a:p>
+        </p:txBody>
+      </p:sp>
+    </p:spTree>
+  </p:cSld>
+  <p:clrMapOvr>
+    <a:masterClrMapping/>
+  </p:clrMapOvr>
+</p:sld>
+</file>
+
+<file path=ppt/slides/slide5.xml><?xml version="1.0" encoding="utf-8"?>
+<p:sld xmlns:a="http://schemas.openxmlformats.org/drawingml/2006/main" xmlns:r="http://schemas.openxmlformats.org/officeDocument/2006/relationships" xmlns:p="http://schemas.openxmlformats.org/presentationml/2006/main">
+  <p:cSld>
+    <p:spTree>
+      <p:nvGrpSpPr>
+        <p:cNvPr id="1" name=""/>
+        <p:cNvGrpSpPr/>
+        <p:nvPr/>
+      </p:nvGrpSpPr>
+      <p:grpSpPr>
+        <a:xfrm>
+          <a:off x="0" y="0"/>
+          <a:ext cx="0" cy="0"/>
+          <a:chOff x="0" y="0"/>
+          <a:chExt cx="0" cy="0"/>
+        </a:xfrm>
+      </p:grpSpPr>
+      <p:sp>
+        <p:nvSpPr>
+          <p:cNvPr id="12290" name="Title 1"/>
+          <p:cNvSpPr>
+            <a:spLocks noGrp="1"/>
+          </p:cNvSpPr>
+          <p:nvPr>
+            <p:ph type="title"/>
+          </p:nvPr>
+        </p:nvSpPr>
+        <p:spPr/>
+        <p:txBody>
+          <a:bodyPr/>
+          <a:lstStyle/>
+          <a:p>
+            <a:r>
               <a:rPr lang="en-GB" altLang="en-US" smtClean="0"/>
-              <a:t>Overview Essential Java Principles</a:t>
-            </a:r>
-          </a:p>
-          <a:p>
-            <a:r>
-              <a:rPr lang="en-GB" altLang="en-US" smtClean="0"/>
+              <a:t>Summary</a:t>
+            </a:r>
+          </a:p>
+        </p:txBody>
+      </p:sp>
+      <p:sp>
+        <p:nvSpPr>
+          <p:cNvPr id="12291" name="Content Placeholder 2"/>
+          <p:cNvSpPr>
+            <a:spLocks noGrp="1"/>
+          </p:cNvSpPr>
+          <p:nvPr>
+            <p:ph idx="1"/>
+          </p:nvPr>
+        </p:nvSpPr>
+        <p:spPr/>
+        <p:txBody>
+          <a:bodyPr/>
+          <a:lstStyle/>
+          <a:p>
+            <a:r>
+              <a:rPr lang="en-GB" altLang="en-US" dirty="0" smtClean="0"/>
+              <a:t>Essential </a:t>
+            </a:r>
+            <a:r>
+              <a:rPr lang="en-GB" altLang="en-US" dirty="0" smtClean="0"/>
+              <a:t>Java </a:t>
+            </a:r>
+            <a:r>
+              <a:rPr lang="en-GB" altLang="en-US" dirty="0" smtClean="0"/>
+              <a:t>Networking</a:t>
+            </a:r>
+            <a:endParaRPr lang="en-GB" altLang="en-US" dirty="0" smtClean="0"/>
+          </a:p>
+          <a:p>
+            <a:r>
+              <a:rPr lang="en-GB" altLang="en-US" dirty="0" smtClean="0"/>
               <a:t>Hands-On/Practical</a:t>
             </a:r>
           </a:p>
           <a:p>
             <a:r>
-              <a:rPr lang="en-GB" altLang="en-US" smtClean="0"/>
-              <a:t>Today is about becoming comfortable/familiar with the Java Programming Syntax</a:t>
-            </a:r>
+              <a:rPr lang="en-GB" altLang="en-US" dirty="0" smtClean="0"/>
+              <a:t>Today is about </a:t>
+            </a:r>
+            <a:r>
+              <a:rPr lang="en-GB" altLang="en-US" dirty="0" smtClean="0"/>
+              <a:t>becoming basic Java Networking</a:t>
+            </a:r>
+            <a:endParaRPr lang="en-GB" altLang="en-US" dirty="0" smtClean="0"/>
           </a:p>
         </p:txBody>
       </p:sp>
@@ -4141,7 +4227,7 @@
 </p:sld>
 </file>
 
-<file path=ppt/slides/slide5.xml><?xml version="1.0" encoding="utf-8"?>
+<file path=ppt/slides/slide6.xml><?xml version="1.0" encoding="utf-8"?>
 <p:sld xmlns:a="http://schemas.openxmlformats.org/drawingml/2006/main" xmlns:r="http://schemas.openxmlformats.org/officeDocument/2006/relationships" xmlns:p="http://schemas.openxmlformats.org/presentationml/2006/main">
   <p:cSld>
     <p:spTree>
